--- a/Exercise 1/BO Group Ex1.pptx
+++ b/Exercise 1/BO Group Ex1.pptx
@@ -5,7 +5,7 @@
     <p:sldMasterId id="2147483648" r:id="rId1"/>
   </p:sldMasterIdLst>
   <p:notesMasterIdLst>
-    <p:notesMasterId r:id="rId8"/>
+    <p:notesMasterId r:id="rId9"/>
   </p:notesMasterIdLst>
   <p:sldIdLst>
     <p:sldId id="361" r:id="rId2"/>
@@ -14,6 +14,7 @@
     <p:sldId id="362" r:id="rId5"/>
     <p:sldId id="364" r:id="rId6"/>
     <p:sldId id="365" r:id="rId7"/>
+    <p:sldId id="367" r:id="rId8"/>
   </p:sldIdLst>
   <p:sldSz cx="12192000" cy="6858000"/>
   <p:notesSz cx="6858000" cy="9144000"/>
@@ -217,7 +218,7 @@
           <a:p>
             <a:fld id="{29EFBA6D-BD8D-4319-9B8F-54D25DEE77D2}" type="datetimeFigureOut">
               <a:rPr lang="en-CA" smtClean="0"/>
-              <a:t>2021-11-19</a:t>
+              <a:t>2021-11-25</a:t>
             </a:fld>
             <a:endParaRPr lang="en-CA"/>
           </a:p>
@@ -524,7 +525,7 @@
           <a:p>
             <a:fld id="{C10D6541-6A28-4C84-AE9F-73751BB3182A}" type="datetimeFigureOut">
               <a:rPr lang="en-CA" smtClean="0"/>
-              <a:t>2021-11-19</a:t>
+              <a:t>2021-11-25</a:t>
             </a:fld>
             <a:endParaRPr lang="en-CA"/>
           </a:p>
@@ -802,7 +803,7 @@
           <a:p>
             <a:fld id="{C10D6541-6A28-4C84-AE9F-73751BB3182A}" type="datetimeFigureOut">
               <a:rPr lang="en-CA" smtClean="0"/>
-              <a:t>2021-11-19</a:t>
+              <a:t>2021-11-25</a:t>
             </a:fld>
             <a:endParaRPr lang="en-CA"/>
           </a:p>
@@ -982,7 +983,7 @@
           <a:p>
             <a:fld id="{C10D6541-6A28-4C84-AE9F-73751BB3182A}" type="datetimeFigureOut">
               <a:rPr lang="en-CA" smtClean="0"/>
-              <a:t>2021-11-19</a:t>
+              <a:t>2021-11-25</a:t>
             </a:fld>
             <a:endParaRPr lang="en-CA"/>
           </a:p>
@@ -1157,7 +1158,7 @@
           <a:p>
             <a:fld id="{C10D6541-6A28-4C84-AE9F-73751BB3182A}" type="datetimeFigureOut">
               <a:rPr lang="en-CA" smtClean="0"/>
-              <a:t>2021-11-19</a:t>
+              <a:t>2021-11-25</a:t>
             </a:fld>
             <a:endParaRPr lang="en-CA"/>
           </a:p>
@@ -1444,7 +1445,7 @@
           <a:p>
             <a:fld id="{C10D6541-6A28-4C84-AE9F-73751BB3182A}" type="datetimeFigureOut">
               <a:rPr lang="en-CA" smtClean="0"/>
-              <a:t>2021-11-19</a:t>
+              <a:t>2021-11-25</a:t>
             </a:fld>
             <a:endParaRPr lang="en-CA"/>
           </a:p>
@@ -1768,7 +1769,7 @@
           <a:p>
             <a:fld id="{C10D6541-6A28-4C84-AE9F-73751BB3182A}" type="datetimeFigureOut">
               <a:rPr lang="en-CA" smtClean="0"/>
-              <a:t>2021-11-19</a:t>
+              <a:t>2021-11-25</a:t>
             </a:fld>
             <a:endParaRPr lang="en-CA"/>
           </a:p>
@@ -2227,7 +2228,7 @@
           <a:p>
             <a:fld id="{C10D6541-6A28-4C84-AE9F-73751BB3182A}" type="datetimeFigureOut">
               <a:rPr lang="en-CA" smtClean="0"/>
-              <a:t>2021-11-19</a:t>
+              <a:t>2021-11-25</a:t>
             </a:fld>
             <a:endParaRPr lang="en-CA"/>
           </a:p>
@@ -2432,7 +2433,7 @@
           <a:p>
             <a:fld id="{C10D6541-6A28-4C84-AE9F-73751BB3182A}" type="datetimeFigureOut">
               <a:rPr lang="en-CA" smtClean="0"/>
-              <a:t>2021-11-19</a:t>
+              <a:t>2021-11-25</a:t>
             </a:fld>
             <a:endParaRPr lang="en-CA"/>
           </a:p>
@@ -2563,7 +2564,7 @@
           <a:p>
             <a:fld id="{C10D6541-6A28-4C84-AE9F-73751BB3182A}" type="datetimeFigureOut">
               <a:rPr lang="en-CA" smtClean="0"/>
-              <a:t>2021-11-19</a:t>
+              <a:t>2021-11-25</a:t>
             </a:fld>
             <a:endParaRPr lang="en-CA"/>
           </a:p>
@@ -2840,7 +2841,7 @@
           <a:p>
             <a:fld id="{C10D6541-6A28-4C84-AE9F-73751BB3182A}" type="datetimeFigureOut">
               <a:rPr lang="en-CA" smtClean="0"/>
-              <a:t>2021-11-19</a:t>
+              <a:t>2021-11-25</a:t>
             </a:fld>
             <a:endParaRPr lang="en-CA"/>
           </a:p>
@@ -3093,7 +3094,7 @@
           <a:p>
             <a:fld id="{C10D6541-6A28-4C84-AE9F-73751BB3182A}" type="datetimeFigureOut">
               <a:rPr lang="en-CA" smtClean="0"/>
-              <a:t>2021-11-19</a:t>
+              <a:t>2021-11-25</a:t>
             </a:fld>
             <a:endParaRPr lang="en-CA"/>
           </a:p>
@@ -6639,7 +6640,17 @@
           <a:p>
             <a:r>
               <a:rPr lang="en-US" dirty="0" smtClean="0"/>
-              <a:t>LRP:</a:t>
+              <a:t>LRP</a:t>
+            </a:r>
+            <a:r>
+              <a:rPr lang="en-US" dirty="0" smtClean="0"/>
+              <a:t>:</a:t>
+            </a:r>
+          </a:p>
+          <a:p>
+            <a:r>
+              <a:rPr lang="en-US" dirty="0" smtClean="0"/>
+              <a:t>Rationale:</a:t>
             </a:r>
             <a:endParaRPr lang="en-CA" dirty="0"/>
           </a:p>
@@ -6757,10 +6768,132 @@
           </p:txBody>
         </p:sp>
       </p:grpSp>
+      <p:sp>
+        <p:nvSpPr>
+          <p:cNvPr id="10" name="Title 1"/>
+          <p:cNvSpPr txBox="1">
+            <a:spLocks/>
+          </p:cNvSpPr>
+          <p:nvPr/>
+        </p:nvSpPr>
+        <p:spPr>
+          <a:xfrm>
+            <a:off x="742406" y="5915916"/>
+            <a:ext cx="10515600" cy="1325563"/>
+          </a:xfrm>
+          <a:prstGeom prst="rect">
+            <a:avLst/>
+          </a:prstGeom>
+        </p:spPr>
+        <p:txBody>
+          <a:bodyPr vert="horz" lIns="91440" tIns="45720" rIns="91440" bIns="45720" rtlCol="0" anchor="ctr">
+            <a:normAutofit/>
+          </a:bodyPr>
+          <a:lstStyle>
+            <a:lvl1pPr algn="l" defTabSz="914400" rtl="0" eaLnBrk="1" latinLnBrk="0" hangingPunct="1">
+              <a:lnSpc>
+                <a:spcPct val="90000"/>
+              </a:lnSpc>
+              <a:spcBef>
+                <a:spcPct val="0"/>
+              </a:spcBef>
+              <a:buNone/>
+              <a:defRPr sz="4400" kern="1200">
+                <a:solidFill>
+                  <a:schemeClr val="tx1"/>
+                </a:solidFill>
+                <a:latin typeface="+mj-lt"/>
+                <a:ea typeface="+mj-ea"/>
+                <a:cs typeface="+mj-cs"/>
+              </a:defRPr>
+            </a:lvl1pPr>
+          </a:lstStyle>
+          <a:p>
+            <a:r>
+              <a:rPr lang="en-US" sz="1400" dirty="0" smtClean="0"/>
+              <a:t>Submit to </a:t>
+            </a:r>
+            <a:r>
+              <a:rPr lang="en-US" sz="1400" dirty="0" smtClean="0">
+                <a:hlinkClick r:id="rId3"/>
+              </a:rPr>
+              <a:t>Tim.Barrett@dfo.mpo.gc.ca</a:t>
+            </a:r>
+            <a:r>
+              <a:rPr lang="en-US" sz="1400" dirty="0" smtClean="0"/>
+              <a:t> when complete</a:t>
+            </a:r>
+            <a:endParaRPr lang="en-CA" sz="1400" dirty="0"/>
+          </a:p>
+        </p:txBody>
+      </p:sp>
     </p:spTree>
     <p:extLst>
       <p:ext uri="{BB962C8B-B14F-4D97-AF65-F5344CB8AC3E}">
         <p14:creationId xmlns:p14="http://schemas.microsoft.com/office/powerpoint/2010/main" val="2233896546"/>
+      </p:ext>
+    </p:extLst>
+  </p:cSld>
+  <p:clrMapOvr>
+    <a:masterClrMapping/>
+  </p:clrMapOvr>
+</p:sld>
+</file>
+
+<file path=ppt/slides/slide7.xml><?xml version="1.0" encoding="utf-8"?>
+<p:sld xmlns:a="http://schemas.openxmlformats.org/drawingml/2006/main" xmlns:r="http://schemas.openxmlformats.org/officeDocument/2006/relationships" xmlns:p="http://schemas.openxmlformats.org/presentationml/2006/main">
+  <p:cSld>
+    <p:spTree>
+      <p:nvGrpSpPr>
+        <p:cNvPr id="1" name=""/>
+        <p:cNvGrpSpPr/>
+        <p:nvPr/>
+      </p:nvGrpSpPr>
+      <p:grpSpPr>
+        <a:xfrm>
+          <a:off x="0" y="0"/>
+          <a:ext cx="0" cy="0"/>
+          <a:chOff x="0" y="0"/>
+          <a:chExt cx="0" cy="0"/>
+        </a:xfrm>
+      </p:grpSpPr>
+      <p:sp>
+        <p:nvSpPr>
+          <p:cNvPr id="2" name="Title 1"/>
+          <p:cNvSpPr>
+            <a:spLocks noGrp="1"/>
+          </p:cNvSpPr>
+          <p:nvPr>
+            <p:ph type="title"/>
+          </p:nvPr>
+        </p:nvSpPr>
+        <p:spPr/>
+        <p:txBody>
+          <a:bodyPr/>
+          <a:lstStyle/>
+          <a:p>
+            <a:r>
+              <a:rPr lang="en-US" dirty="0" smtClean="0"/>
+              <a:t>Submit to </a:t>
+            </a:r>
+            <a:r>
+              <a:rPr lang="en-US" dirty="0" smtClean="0">
+                <a:hlinkClick r:id="rId2"/>
+              </a:rPr>
+              <a:t>tim.barrett@dfo.mpo.gc.ca</a:t>
+            </a:r>
+            <a:r>
+              <a:rPr lang="en-US" dirty="0" smtClean="0"/>
+              <a:t> when complete</a:t>
+            </a:r>
+            <a:endParaRPr lang="en-CA" dirty="0"/>
+          </a:p>
+        </p:txBody>
+      </p:sp>
+    </p:spTree>
+    <p:extLst>
+      <p:ext uri="{BB962C8B-B14F-4D97-AF65-F5344CB8AC3E}">
+        <p14:creationId xmlns:p14="http://schemas.microsoft.com/office/powerpoint/2010/main" val="3657234302"/>
       </p:ext>
     </p:extLst>
   </p:cSld>
